--- a/수업교제/1학기/python_calss8.pptx
+++ b/수업교제/1학기/python_calss8.pptx
@@ -121,6 +121,43 @@
 </p:presentation>
 </file>
 
+<file path=ppt/revisionInfo.xml><?xml version="1.0" encoding="utf-8"?>
+<p1510:revInfo xmlns:a="http://schemas.openxmlformats.org/drawingml/2006/main" xmlns:r="http://schemas.openxmlformats.org/officeDocument/2006/relationships" xmlns:p1510="http://schemas.microsoft.com/office/powerpoint/2015/10/main">
+  <p1510:revLst>
+    <p1510:client id="{F339C7D9-B8E9-428D-8A63-AA1A4C068484}" v="2" dt="2024-08-09T05:24:07.947"/>
+  </p1510:revLst>
+</p1510:revInfo>
+</file>
+
+<file path=ppt/changesInfos/changesInfo1.xml><?xml version="1.0" encoding="utf-8"?>
+<pc:chgInfo xmlns:a="http://schemas.openxmlformats.org/drawingml/2006/main" xmlns:r="http://schemas.openxmlformats.org/officeDocument/2006/relationships" xmlns:ac="http://schemas.microsoft.com/office/drawing/2013/main/command" xmlns:pc="http://schemas.microsoft.com/office/powerpoint/2013/main/command">
+  <pc:docChgLst>
+    <pc:chgData name="sang woo lee" userId="828cf36e0a7b2974" providerId="LiveId" clId="{F339C7D9-B8E9-428D-8A63-AA1A4C068484}"/>
+    <pc:docChg chg="modSld">
+      <pc:chgData name="sang woo lee" userId="828cf36e0a7b2974" providerId="LiveId" clId="{F339C7D9-B8E9-428D-8A63-AA1A4C068484}" dt="2024-08-09T05:25:34.817" v="3" actId="20577"/>
+      <pc:docMkLst>
+        <pc:docMk/>
+      </pc:docMkLst>
+      <pc:sldChg chg="modSp mod">
+        <pc:chgData name="sang woo lee" userId="828cf36e0a7b2974" providerId="LiveId" clId="{F339C7D9-B8E9-428D-8A63-AA1A4C068484}" dt="2024-08-09T05:25:34.817" v="3" actId="20577"/>
+        <pc:sldMkLst>
+          <pc:docMk/>
+          <pc:sldMk cId="4008341106" sldId="266"/>
+        </pc:sldMkLst>
+        <pc:spChg chg="mod">
+          <ac:chgData name="sang woo lee" userId="828cf36e0a7b2974" providerId="LiveId" clId="{F339C7D9-B8E9-428D-8A63-AA1A4C068484}" dt="2024-08-09T05:25:34.817" v="3" actId="20577"/>
+          <ac:spMkLst>
+            <pc:docMk/>
+            <pc:sldMk cId="4008341106" sldId="266"/>
+            <ac:spMk id="6" creationId="{1ED3A337-59B8-82E3-E4AC-4E1D20426BD5}"/>
+          </ac:spMkLst>
+        </pc:spChg>
+      </pc:sldChg>
+    </pc:docChg>
+  </pc:docChgLst>
+</pc:chgInfo>
+</file>
+
 <file path=ppt/slideLayouts/slideLayout1.xml><?xml version="1.0" encoding="utf-8"?>
 <p:sldLayout xmlns:a="http://schemas.openxmlformats.org/drawingml/2006/main" xmlns:r="http://schemas.openxmlformats.org/officeDocument/2006/relationships" xmlns:p="http://schemas.openxmlformats.org/presentationml/2006/main" showMasterSp="0" type="title" preserve="1">
   <p:cSld name="제목 슬라이드">
@@ -291,7 +328,7 @@
             <a:fld id="{87DE6118-2437-4B30-8E3C-4D2BE6020583}" type="datetimeFigureOut">
               <a:rPr lang="en-US" dirty="0"/>
               <a:pPr/>
-              <a:t>6/8/2023</a:t>
+              <a:t>8/9/2024</a:t>
             </a:fld>
             <a:endParaRPr lang="en-US" dirty="0"/>
           </a:p>
@@ -617,7 +654,7 @@
           <a:p>
             <a:fld id="{87DE6118-2437-4B30-8E3C-4D2BE6020583}" type="datetimeFigureOut">
               <a:rPr lang="en-US" dirty="0"/>
-              <a:t>6/8/2023</a:t>
+              <a:t>8/9/2024</a:t>
             </a:fld>
             <a:endParaRPr lang="en-US" dirty="0"/>
           </a:p>
@@ -792,7 +829,7 @@
           <a:p>
             <a:fld id="{87DE6118-2437-4B30-8E3C-4D2BE6020583}" type="datetimeFigureOut">
               <a:rPr lang="en-US" dirty="0"/>
-              <a:t>6/8/2023</a:t>
+              <a:t>8/9/2024</a:t>
             </a:fld>
             <a:endParaRPr lang="en-US" dirty="0"/>
           </a:p>
@@ -957,7 +994,7 @@
           <a:p>
             <a:fld id="{87DE6118-2437-4B30-8E3C-4D2BE6020583}" type="datetimeFigureOut">
               <a:rPr lang="en-US" dirty="0"/>
-              <a:t>6/8/2023</a:t>
+              <a:t>8/9/2024</a:t>
             </a:fld>
             <a:endParaRPr lang="en-US" dirty="0"/>
           </a:p>
@@ -1230,7 +1267,7 @@
             <a:fld id="{87DE6118-2437-4B30-8E3C-4D2BE6020583}" type="datetimeFigureOut">
               <a:rPr lang="en-US" dirty="0"/>
               <a:pPr/>
-              <a:t>6/8/2023</a:t>
+              <a:t>8/9/2024</a:t>
             </a:fld>
             <a:endParaRPr lang="en-US" dirty="0"/>
           </a:p>
@@ -1620,7 +1657,7 @@
           <a:p>
             <a:fld id="{87DE6118-2437-4B30-8E3C-4D2BE6020583}" type="datetimeFigureOut">
               <a:rPr lang="en-US" dirty="0"/>
-              <a:t>6/8/2023</a:t>
+              <a:t>8/9/2024</a:t>
             </a:fld>
             <a:endParaRPr lang="en-US" dirty="0"/>
           </a:p>
@@ -2092,7 +2129,7 @@
           <a:p>
             <a:fld id="{87DE6118-2437-4B30-8E3C-4D2BE6020583}" type="datetimeFigureOut">
               <a:rPr lang="en-US" dirty="0"/>
-              <a:t>6/8/2023</a:t>
+              <a:t>8/9/2024</a:t>
             </a:fld>
             <a:endParaRPr lang="en-US" dirty="0"/>
           </a:p>
@@ -2205,7 +2242,7 @@
           <a:p>
             <a:fld id="{87DE6118-2437-4B30-8E3C-4D2BE6020583}" type="datetimeFigureOut">
               <a:rPr lang="en-US" dirty="0"/>
-              <a:t>6/8/2023</a:t>
+              <a:t>8/9/2024</a:t>
             </a:fld>
             <a:endParaRPr lang="en-US" dirty="0"/>
           </a:p>
@@ -2295,7 +2332,7 @@
           <a:p>
             <a:fld id="{87DE6118-2437-4B30-8E3C-4D2BE6020583}" type="datetimeFigureOut">
               <a:rPr lang="en-US" dirty="0"/>
-              <a:t>6/8/2023</a:t>
+              <a:t>8/9/2024</a:t>
             </a:fld>
             <a:endParaRPr lang="en-US" dirty="0"/>
           </a:p>
@@ -2637,7 +2674,7 @@
             <a:fld id="{87DE6118-2437-4B30-8E3C-4D2BE6020583}" type="datetimeFigureOut">
               <a:rPr lang="en-US" dirty="0"/>
               <a:pPr/>
-              <a:t>6/8/2023</a:t>
+              <a:t>8/9/2024</a:t>
             </a:fld>
             <a:endParaRPr lang="en-US" dirty="0"/>
           </a:p>
@@ -3022,7 +3059,7 @@
             <a:fld id="{87DE6118-2437-4B30-8E3C-4D2BE6020583}" type="datetimeFigureOut">
               <a:rPr lang="en-US" dirty="0"/>
               <a:pPr/>
-              <a:t>6/8/2023</a:t>
+              <a:t>8/9/2024</a:t>
             </a:fld>
             <a:endParaRPr lang="en-US" dirty="0"/>
           </a:p>
@@ -3297,7 +3334,7 @@
             <a:fld id="{87DE6118-2437-4B30-8E3C-4D2BE6020583}" type="datetimeFigureOut">
               <a:rPr lang="en-US" dirty="0"/>
               <a:pPr/>
-              <a:t>6/8/2023</a:t>
+              <a:t>8/9/2024</a:t>
             </a:fld>
             <a:endParaRPr lang="en-US" dirty="0"/>
           </a:p>
@@ -3848,7 +3885,7 @@
         <p:push/>
       </p:transition>
     </mc:Choice>
-    <mc:Fallback xmlns:dsp="http://schemas.microsoft.com/office/drawing/2008/diagram" xmlns:dgm="http://schemas.openxmlformats.org/drawingml/2006/diagram" xmlns:c="http://schemas.openxmlformats.org/drawingml/2006/chart" xmlns="">
+    <mc:Fallback xmlns="" xmlns:c="http://schemas.openxmlformats.org/drawingml/2006/chart" xmlns:dgm="http://schemas.openxmlformats.org/drawingml/2006/diagram" xmlns:dsp="http://schemas.microsoft.com/office/drawing/2008/diagram">
       <p:transition xmlns:mc="http://schemas.openxmlformats.org/markup-compatibility/2006" xmlns:hp="http://schemas.haansoft.com/office/presentation/8.0" spd="med" mc:Ignorable="hp" hp:hslDur="1000">
         <p:fade/>
       </p:transition>
@@ -3924,7 +3961,7 @@
         <p:spPr>
           <a:xfrm>
             <a:off x="1791573" y="1915884"/>
-            <a:ext cx="4466614" cy="3416320"/>
+            <a:ext cx="4466614" cy="3970318"/>
           </a:xfrm>
           <a:prstGeom prst="rect">
             <a:avLst/>
@@ -4426,6 +4463,15 @@
             </a:r>
           </a:p>
           <a:p>
+            <a:endParaRPr lang="en-US" altLang="ko-KR" b="0">
+              <a:solidFill>
+                <a:srgbClr val="C586C0"/>
+              </a:solidFill>
+              <a:effectLst/>
+              <a:latin typeface="Consolas" panose="020B0609020204030204" pitchFamily="49" charset="0"/>
+            </a:endParaRPr>
+          </a:p>
+          <a:p>
             <a:r>
               <a:rPr lang="en-US" altLang="ko-KR" b="0" dirty="0">
                 <a:solidFill>
@@ -4652,6 +4698,15 @@
               </a:rPr>
               <a:t>)</a:t>
             </a:r>
+          </a:p>
+          <a:p>
+            <a:endParaRPr lang="en-US" altLang="ko-KR" b="0" dirty="0">
+              <a:solidFill>
+                <a:srgbClr val="D4D4D4"/>
+              </a:solidFill>
+              <a:effectLst/>
+              <a:latin typeface="Consolas" panose="020B0609020204030204" pitchFamily="49" charset="0"/>
+            </a:endParaRPr>
           </a:p>
           <a:p>
             <a:r>
